--- a/TheLecture.pptx
+++ b/TheLecture.pptx
@@ -10,17 +10,17 @@
   <p:sldIdLst>
     <p:sldId id="256" r:id="rId2"/>
     <p:sldId id="307" r:id="rId3"/>
-    <p:sldId id="311" r:id="rId4"/>
-    <p:sldId id="274" r:id="rId5"/>
-    <p:sldId id="257" r:id="rId6"/>
-    <p:sldId id="260" r:id="rId7"/>
-    <p:sldId id="258" r:id="rId8"/>
-    <p:sldId id="310" r:id="rId9"/>
-    <p:sldId id="259" r:id="rId10"/>
-    <p:sldId id="263" r:id="rId11"/>
-    <p:sldId id="265" r:id="rId12"/>
-    <p:sldId id="312" r:id="rId13"/>
-    <p:sldId id="308" r:id="rId14"/>
+    <p:sldId id="314" r:id="rId4"/>
+    <p:sldId id="311" r:id="rId5"/>
+    <p:sldId id="274" r:id="rId6"/>
+    <p:sldId id="257" r:id="rId7"/>
+    <p:sldId id="260" r:id="rId8"/>
+    <p:sldId id="258" r:id="rId9"/>
+    <p:sldId id="310" r:id="rId10"/>
+    <p:sldId id="259" r:id="rId11"/>
+    <p:sldId id="263" r:id="rId12"/>
+    <p:sldId id="265" r:id="rId13"/>
+    <p:sldId id="312" r:id="rId14"/>
     <p:sldId id="264" r:id="rId15"/>
     <p:sldId id="266" r:id="rId16"/>
     <p:sldId id="272" r:id="rId17"/>
@@ -260,7 +260,7 @@
           <a:p>
             <a:fld id="{4CFA7AC7-7D4E-4D71-A5AA-B8D3164DB7E0}" type="datetimeFigureOut">
               <a:rPr lang="hr-HR" smtClean="0"/>
-              <a:t>25.9.2016.</a:t>
+              <a:t>30.9.2016.</a:t>
             </a:fld>
             <a:endParaRPr lang="hr-HR"/>
           </a:p>
@@ -1917,7 +1917,7 @@
             <a:fld id="{1D8BD707-D9CF-40AE-B4C6-C98DA3205C09}" type="datetimeFigureOut">
               <a:rPr lang="en-US" smtClean="0"/>
               <a:pPr/>
-              <a:t>9/25/2016</a:t>
+              <a:t>9/30/2016</a:t>
             </a:fld>
             <a:endParaRPr lang="en-US"/>
           </a:p>
@@ -2082,7 +2082,7 @@
             <a:fld id="{1D8BD707-D9CF-40AE-B4C6-C98DA3205C09}" type="datetimeFigureOut">
               <a:rPr lang="en-US" smtClean="0"/>
               <a:pPr/>
-              <a:t>9/25/2016</a:t>
+              <a:t>9/30/2016</a:t>
             </a:fld>
             <a:endParaRPr lang="en-US"/>
           </a:p>
@@ -2259,7 +2259,7 @@
             <a:fld id="{1D8BD707-D9CF-40AE-B4C6-C98DA3205C09}" type="datetimeFigureOut">
               <a:rPr lang="en-US" smtClean="0"/>
               <a:pPr/>
-              <a:t>9/25/2016</a:t>
+              <a:t>9/30/2016</a:t>
             </a:fld>
             <a:endParaRPr lang="en-US"/>
           </a:p>
@@ -2431,7 +2431,7 @@
             <a:fld id="{1D8BD707-D9CF-40AE-B4C6-C98DA3205C09}" type="datetimeFigureOut">
               <a:rPr lang="en-US" smtClean="0"/>
               <a:pPr/>
-              <a:t>9/25/2016</a:t>
+              <a:t>9/30/2016</a:t>
             </a:fld>
             <a:endParaRPr lang="en-US"/>
           </a:p>
@@ -2556,7 +2556,7 @@
             <a:fld id="{1D8BD707-D9CF-40AE-B4C6-C98DA3205C09}" type="datetimeFigureOut">
               <a:rPr lang="en-US" smtClean="0"/>
               <a:pPr/>
-              <a:t>9/25/2016</a:t>
+              <a:t>9/30/2016</a:t>
             </a:fld>
             <a:endParaRPr lang="en-US"/>
           </a:p>
@@ -2947,7 +2947,7 @@
             <a:fld id="{1D8BD707-D9CF-40AE-B4C6-C98DA3205C09}" type="datetimeFigureOut">
               <a:rPr lang="en-US" smtClean="0"/>
               <a:pPr/>
-              <a:t>9/25/2016</a:t>
+              <a:t>9/30/2016</a:t>
             </a:fld>
             <a:endParaRPr lang="en-US"/>
           </a:p>
@@ -3437,7 +3437,7 @@
             <a:fld id="{1D8BD707-D9CF-40AE-B4C6-C98DA3205C09}" type="datetimeFigureOut">
               <a:rPr lang="en-US" smtClean="0"/>
               <a:pPr/>
-              <a:t>9/25/2016</a:t>
+              <a:t>9/30/2016</a:t>
             </a:fld>
             <a:endParaRPr lang="en-US"/>
           </a:p>
@@ -3551,7 +3551,7 @@
             <a:fld id="{1D8BD707-D9CF-40AE-B4C6-C98DA3205C09}" type="datetimeFigureOut">
               <a:rPr lang="en-US" smtClean="0"/>
               <a:pPr/>
-              <a:t>9/25/2016</a:t>
+              <a:t>9/30/2016</a:t>
             </a:fld>
             <a:endParaRPr lang="en-US"/>
           </a:p>
@@ -3676,7 +3676,7 @@
             <a:fld id="{1D8BD707-D9CF-40AE-B4C6-C98DA3205C09}" type="datetimeFigureOut">
               <a:rPr lang="en-US" smtClean="0"/>
               <a:pPr/>
-              <a:t>9/25/2016</a:t>
+              <a:t>9/30/2016</a:t>
             </a:fld>
             <a:endParaRPr lang="en-US"/>
           </a:p>
@@ -3867,7 +3867,7 @@
             <a:fld id="{1D8BD707-D9CF-40AE-B4C6-C98DA3205C09}" type="datetimeFigureOut">
               <a:rPr lang="en-US" smtClean="0"/>
               <a:pPr/>
-              <a:t>9/25/2016</a:t>
+              <a:t>9/30/2016</a:t>
             </a:fld>
             <a:endParaRPr lang="en-US"/>
           </a:p>
@@ -4252,7 +4252,7 @@
             <a:fld id="{1D8BD707-D9CF-40AE-B4C6-C98DA3205C09}" type="datetimeFigureOut">
               <a:rPr lang="en-US" smtClean="0"/>
               <a:pPr/>
-              <a:t>9/25/2016</a:t>
+              <a:t>9/30/2016</a:t>
             </a:fld>
             <a:endParaRPr lang="en-US"/>
           </a:p>
@@ -4490,7 +4490,7 @@
             <a:fld id="{1D8BD707-D9CF-40AE-B4C6-C98DA3205C09}" type="datetimeFigureOut">
               <a:rPr lang="en-US" smtClean="0"/>
               <a:pPr/>
-              <a:t>9/25/2016</a:t>
+              <a:t>9/30/2016</a:t>
             </a:fld>
             <a:endParaRPr lang="en-US"/>
           </a:p>
@@ -5049,7 +5049,7 @@
           <a:p>
             <a:r>
               <a:rPr lang="hr-HR" dirty="0"/>
-              <a:t>VAL-ČESTICA </a:t>
+              <a:t>PrazAN PROstor</a:t>
             </a:r>
           </a:p>
         </p:txBody>
@@ -5081,7 +5081,7 @@
             </a:pPr>
             <a:r>
               <a:rPr lang="hr-HR" sz="3200" dirty="0"/>
-              <a:t>Čestice su istovremeno i val i čestica, ovisno o okolnostima.</a:t>
+              <a:t>Atom se sastoji od 99,9999999% praznog prostora.</a:t>
             </a:r>
           </a:p>
           <a:p>
@@ -5090,7 +5090,7 @@
             </a:pPr>
             <a:r>
               <a:rPr lang="hr-HR" sz="3200" dirty="0"/>
-              <a:t>Kada promatramo val, on postaje čestica.</a:t>
+              <a:t>Ako stavimo pikulu u sredinu učione, to je jezgra oko koje kruži atom.</a:t>
             </a:r>
           </a:p>
         </p:txBody>
@@ -5098,7 +5098,7 @@
     </p:spTree>
     <p:extLst>
       <p:ext uri="{BB962C8B-B14F-4D97-AF65-F5344CB8AC3E}">
-        <p14:creationId xmlns:p14="http://schemas.microsoft.com/office/powerpoint/2010/main" val="2931285494"/>
+        <p14:creationId xmlns:p14="http://schemas.microsoft.com/office/powerpoint/2010/main" val="1888017549"/>
       </p:ext>
     </p:extLst>
   </p:cSld>
@@ -5142,7 +5142,7 @@
           <a:p>
             <a:r>
               <a:rPr lang="hr-HR" dirty="0"/>
-              <a:t>VAL-ČESTICA (II)</a:t>
+              <a:t>VAL-ČESTICA </a:t>
             </a:r>
           </a:p>
         </p:txBody>
@@ -5173,8 +5173,17 @@
               <a:buNone/>
             </a:pPr>
             <a:r>
-              <a:rPr lang="hr-HR" sz="2800" dirty="0"/>
-              <a:t>U stvari ne znamo što su to elementarne čestice. One u stvari nisu čestice. Tako ih zamišljamo. Znamo samo da u određenim uvjetima dobivamo određene rezultate.</a:t>
+              <a:rPr lang="hr-HR" sz="3200" dirty="0"/>
+              <a:t>Čestice su istovremeno i val i čestica, ovisno o okolnostima.</a:t>
+            </a:r>
+          </a:p>
+          <a:p>
+            <a:pPr indent="0" algn="ctr">
+              <a:buNone/>
+            </a:pPr>
+            <a:r>
+              <a:rPr lang="hr-HR" sz="3200" dirty="0"/>
+              <a:t>Kada promatramo val, on postaje čestica.</a:t>
             </a:r>
           </a:p>
         </p:txBody>
@@ -5182,7 +5191,7 @@
     </p:spTree>
     <p:extLst>
       <p:ext uri="{BB962C8B-B14F-4D97-AF65-F5344CB8AC3E}">
-        <p14:creationId xmlns:p14="http://schemas.microsoft.com/office/powerpoint/2010/main" val="2114248901"/>
+        <p14:creationId xmlns:p14="http://schemas.microsoft.com/office/powerpoint/2010/main" val="2931285494"/>
       </p:ext>
     </p:extLst>
   </p:cSld>
@@ -5221,49 +5230,52 @@
         </p:nvSpPr>
         <p:spPr/>
         <p:txBody>
-          <a:bodyPr>
-            <a:normAutofit fontScale="90000"/>
-          </a:bodyPr>
+          <a:bodyPr/>
           <a:lstStyle/>
           <a:p>
             <a:r>
               <a:rPr lang="hr-HR" dirty="0"/>
-              <a:t>DOUBLE SLIT EXPERIMENT</a:t>
-            </a:r>
-          </a:p>
-        </p:txBody>
-      </p:sp>
-      <p:pic>
-        <p:nvPicPr>
-          <p:cNvPr id="4" name="DfPeprQ7oGc"/>
-          <p:cNvPicPr>
-            <a:picLocks noGrp="1" noRot="1" noChangeAspect="1"/>
-          </p:cNvPicPr>
+              <a:t>VAL-ČESTICA (II)</a:t>
+            </a:r>
+          </a:p>
+        </p:txBody>
+      </p:sp>
+      <p:sp>
+        <p:nvSpPr>
+          <p:cNvPr id="3" name="Content Placeholder 2"/>
+          <p:cNvSpPr>
+            <a:spLocks noGrp="1"/>
+          </p:cNvSpPr>
           <p:nvPr>
             <p:ph idx="1"/>
-            <a:videoFile r:link="rId1"/>
-          </p:nvPr>
-        </p:nvPicPr>
-        <p:blipFill>
-          <a:blip r:embed="rId3"/>
-          <a:stretch>
-            <a:fillRect/>
-          </a:stretch>
-        </p:blipFill>
+          </p:nvPr>
+        </p:nvSpPr>
         <p:spPr>
           <a:xfrm>
-            <a:off x="1676400" y="2333625"/>
-            <a:ext cx="5638800" cy="3171825"/>
+            <a:off x="1371600" y="2362200"/>
+            <a:ext cx="6400800" cy="2971800"/>
           </a:xfrm>
-          <a:prstGeom prst="rect">
-            <a:avLst/>
-          </a:prstGeom>
         </p:spPr>
-      </p:pic>
+        <p:txBody>
+          <a:bodyPr>
+            <a:noAutofit/>
+          </a:bodyPr>
+          <a:lstStyle/>
+          <a:p>
+            <a:pPr indent="0" algn="ctr">
+              <a:buNone/>
+            </a:pPr>
+            <a:r>
+              <a:rPr lang="hr-HR" sz="2800" dirty="0"/>
+              <a:t>U stvari ne znamo što su to elementarne čestice. One u stvari nisu čestice. Tako ih zamišljamo. Znamo samo da u određenim uvjetima dobivamo određene rezultate.</a:t>
+            </a:r>
+          </a:p>
+        </p:txBody>
+      </p:sp>
     </p:spTree>
     <p:extLst>
       <p:ext uri="{BB962C8B-B14F-4D97-AF65-F5344CB8AC3E}">
-        <p14:creationId xmlns:p14="http://schemas.microsoft.com/office/powerpoint/2010/main" val="2921239543"/>
+        <p14:creationId xmlns:p14="http://schemas.microsoft.com/office/powerpoint/2010/main" val="2114248901"/>
       </p:ext>
     </p:extLst>
   </p:cSld>
@@ -5303,20 +5315,20 @@
         <p:spPr/>
         <p:txBody>
           <a:bodyPr>
-            <a:normAutofit/>
+            <a:normAutofit fontScale="90000"/>
           </a:bodyPr>
           <a:lstStyle/>
           <a:p>
             <a:r>
               <a:rPr lang="hr-HR" dirty="0"/>
-              <a:t>Valovi i frekvencije</a:t>
+              <a:t>DOUBLE SLIT EXPERIMENT</a:t>
             </a:r>
           </a:p>
         </p:txBody>
       </p:sp>
       <p:pic>
         <p:nvPicPr>
-          <p:cNvPr id="5" name="Q3oItpVa9fs"/>
+          <p:cNvPr id="4" name="DfPeprQ7oGc"/>
           <p:cNvPicPr>
             <a:picLocks noGrp="1" noRot="1" noChangeAspect="1"/>
           </p:cNvPicPr>
@@ -5333,116 +5345,18 @@
         </p:blipFill>
         <p:spPr>
           <a:xfrm>
-            <a:off x="1828800" y="2419350"/>
-            <a:ext cx="5588000" cy="3143250"/>
+            <a:off x="1676400" y="2333625"/>
+            <a:ext cx="5638800" cy="3171825"/>
           </a:xfrm>
           <a:prstGeom prst="rect">
             <a:avLst/>
           </a:prstGeom>
         </p:spPr>
       </p:pic>
-      <p:sp>
-        <p:nvSpPr>
-          <p:cNvPr id="4" name="Title 1"/>
-          <p:cNvSpPr txBox="1">
-            <a:spLocks/>
-          </p:cNvSpPr>
-          <p:nvPr/>
-        </p:nvSpPr>
-        <p:spPr>
-          <a:xfrm>
-            <a:off x="1371600" y="1295400"/>
-            <a:ext cx="6400800" cy="685800"/>
-          </a:xfrm>
-          <a:prstGeom prst="rect">
-            <a:avLst/>
-          </a:prstGeom>
-        </p:spPr>
-        <p:txBody>
-          <a:bodyPr vert="horz" lIns="91440" tIns="45720" rIns="91440" bIns="45720" rtlCol="0" anchor="b" anchorCtr="0">
-            <a:normAutofit/>
-          </a:bodyPr>
-          <a:lstStyle>
-            <a:lvl1pPr algn="ctr" defTabSz="914400" rtl="0" eaLnBrk="1" latinLnBrk="0" hangingPunct="1">
-              <a:spcBef>
-                <a:spcPct val="0"/>
-              </a:spcBef>
-              <a:buNone/>
-              <a:defRPr sz="3600" kern="1200" cap="all" spc="300" baseline="0">
-                <a:solidFill>
-                  <a:schemeClr val="tx1"/>
-                </a:solidFill>
-                <a:latin typeface="+mj-lt"/>
-                <a:ea typeface="+mj-ea"/>
-                <a:cs typeface="+mj-cs"/>
-              </a:defRPr>
-            </a:lvl1pPr>
-            <a:lvl2pPr eaLnBrk="1" hangingPunct="1">
-              <a:defRPr>
-                <a:solidFill>
-                  <a:schemeClr val="tx2"/>
-                </a:solidFill>
-              </a:defRPr>
-            </a:lvl2pPr>
-            <a:lvl3pPr eaLnBrk="1" hangingPunct="1">
-              <a:defRPr>
-                <a:solidFill>
-                  <a:schemeClr val="tx2"/>
-                </a:solidFill>
-              </a:defRPr>
-            </a:lvl3pPr>
-            <a:lvl4pPr eaLnBrk="1" hangingPunct="1">
-              <a:defRPr>
-                <a:solidFill>
-                  <a:schemeClr val="tx2"/>
-                </a:solidFill>
-              </a:defRPr>
-            </a:lvl4pPr>
-            <a:lvl5pPr eaLnBrk="1" hangingPunct="1">
-              <a:defRPr>
-                <a:solidFill>
-                  <a:schemeClr val="tx2"/>
-                </a:solidFill>
-              </a:defRPr>
-            </a:lvl5pPr>
-            <a:lvl6pPr eaLnBrk="1" hangingPunct="1">
-              <a:defRPr>
-                <a:solidFill>
-                  <a:schemeClr val="tx2"/>
-                </a:solidFill>
-              </a:defRPr>
-            </a:lvl6pPr>
-            <a:lvl7pPr eaLnBrk="1" hangingPunct="1">
-              <a:defRPr>
-                <a:solidFill>
-                  <a:schemeClr val="tx2"/>
-                </a:solidFill>
-              </a:defRPr>
-            </a:lvl7pPr>
-            <a:lvl8pPr eaLnBrk="1" hangingPunct="1">
-              <a:defRPr>
-                <a:solidFill>
-                  <a:schemeClr val="tx2"/>
-                </a:solidFill>
-              </a:defRPr>
-            </a:lvl8pPr>
-            <a:lvl9pPr eaLnBrk="1" hangingPunct="1">
-              <a:defRPr>
-                <a:solidFill>
-                  <a:schemeClr val="tx2"/>
-                </a:solidFill>
-              </a:defRPr>
-            </a:lvl9pPr>
-          </a:lstStyle>
-          <a:p>
-            <a:endParaRPr lang="hr-HR" dirty="0"/>
-          </a:p>
-        </p:txBody>
-      </p:sp>
     </p:spTree>
     <p:extLst>
       <p:ext uri="{BB962C8B-B14F-4D97-AF65-F5344CB8AC3E}">
-        <p14:creationId xmlns:p14="http://schemas.microsoft.com/office/powerpoint/2010/main" val="3016589572"/>
+        <p14:creationId xmlns:p14="http://schemas.microsoft.com/office/powerpoint/2010/main" val="2921239543"/>
       </p:ext>
     </p:extLst>
   </p:cSld>
@@ -6016,38 +5930,45 @@
           <a:p>
             <a:r>
               <a:rPr lang="hr-HR" dirty="0"/>
-              <a:t>Znanje je zabavno</a:t>
-            </a:r>
-          </a:p>
-        </p:txBody>
-      </p:sp>
-      <p:pic>
-        <p:nvPicPr>
-          <p:cNvPr id="4" name="tKjbHv_0KKY"/>
-          <p:cNvPicPr>
-            <a:picLocks noGrp="1" noRot="1" noChangeAspect="1"/>
-          </p:cNvPicPr>
+              <a:t>CILJ EDUKACIJE</a:t>
+            </a:r>
+          </a:p>
+        </p:txBody>
+      </p:sp>
+      <p:sp>
+        <p:nvSpPr>
+          <p:cNvPr id="3" name="Content Placeholder 2"/>
+          <p:cNvSpPr>
+            <a:spLocks noGrp="1"/>
+          </p:cNvSpPr>
           <p:nvPr>
             <p:ph idx="1"/>
-            <a:videoFile r:link="rId1"/>
-          </p:nvPr>
-        </p:nvPicPr>
-        <p:blipFill>
-          <a:blip r:embed="rId3"/>
-          <a:stretch>
-            <a:fillRect/>
-          </a:stretch>
-        </p:blipFill>
-        <p:spPr>
-          <a:xfrm>
-            <a:off x="1744133" y="2343150"/>
-            <a:ext cx="5723467" cy="3219450"/>
-          </a:xfrm>
-          <a:prstGeom prst="rect">
-            <a:avLst/>
-          </a:prstGeom>
-        </p:spPr>
-      </p:pic>
+          </p:nvPr>
+        </p:nvSpPr>
+        <p:spPr/>
+        <p:txBody>
+          <a:bodyPr anchor="ctr"/>
+          <a:lstStyle/>
+          <a:p>
+            <a:pPr indent="0" algn="ctr">
+              <a:buNone/>
+            </a:pPr>
+            <a:r>
+              <a:rPr lang="hr-HR" dirty="0"/>
+              <a:t>CILJ: RAZVOJ PUNOG POTENCIJALA STUDENTA!</a:t>
+            </a:r>
+          </a:p>
+          <a:p>
+            <a:pPr indent="0" algn="ctr">
+              <a:buNone/>
+            </a:pPr>
+            <a:r>
+              <a:rPr lang="hr-HR" dirty="0"/>
+              <a:t>CILJ SE LAKO POSTIŽE, JER ZNANJE JE ZABAVNO.</a:t>
+            </a:r>
+          </a:p>
+        </p:txBody>
+      </p:sp>
     </p:spTree>
     <p:extLst>
       <p:ext uri="{BB962C8B-B14F-4D97-AF65-F5344CB8AC3E}">
@@ -6441,10 +6362,9 @@
               <a:buNone/>
             </a:pPr>
             <a:r>
-              <a:rPr lang="hr-HR" sz="3200"/>
-              <a:t>Pogledajmo …</a:t>
-            </a:r>
-            <a:endParaRPr lang="hr-HR" sz="3200" dirty="0"/>
+              <a:rPr lang="hr-HR" sz="3200" dirty="0"/>
+              <a:t>Pogledajmo što kaže fizika …</a:t>
+            </a:r>
           </a:p>
           <a:p>
             <a:pPr indent="0" algn="ctr">
@@ -7304,60 +7224,42 @@
           <a:p>
             <a:r>
               <a:rPr lang="hr-HR" dirty="0"/>
-              <a:t>Čvrsta točka?</a:t>
-            </a:r>
-          </a:p>
-        </p:txBody>
-      </p:sp>
-      <p:sp>
-        <p:nvSpPr>
-          <p:cNvPr id="3" name="Content Placeholder 2"/>
-          <p:cNvSpPr>
-            <a:spLocks noGrp="1"/>
-          </p:cNvSpPr>
+              <a:t>Znanje je zabavno</a:t>
+            </a:r>
+          </a:p>
+        </p:txBody>
+      </p:sp>
+      <p:pic>
+        <p:nvPicPr>
+          <p:cNvPr id="4" name="tKjbHv_0KKY"/>
+          <p:cNvPicPr>
+            <a:picLocks noGrp="1" noRot="1" noChangeAspect="1"/>
+          </p:cNvPicPr>
           <p:nvPr>
             <p:ph idx="1"/>
-          </p:nvPr>
-        </p:nvSpPr>
+            <a:videoFile r:link="rId1"/>
+          </p:nvPr>
+        </p:nvPicPr>
+        <p:blipFill>
+          <a:blip r:embed="rId3"/>
+          <a:stretch>
+            <a:fillRect/>
+          </a:stretch>
+        </p:blipFill>
         <p:spPr>
           <a:xfrm>
-            <a:off x="1371600" y="2438400"/>
-            <a:ext cx="6400800" cy="2895600"/>
+            <a:off x="1744133" y="2343150"/>
+            <a:ext cx="5723467" cy="3219450"/>
           </a:xfrm>
+          <a:prstGeom prst="rect">
+            <a:avLst/>
+          </a:prstGeom>
         </p:spPr>
-        <p:txBody>
-          <a:bodyPr>
-            <a:noAutofit/>
-          </a:bodyPr>
-          <a:lstStyle/>
-          <a:p>
-            <a:pPr indent="0" algn="ctr">
-              <a:buNone/>
-            </a:pPr>
-            <a:r>
-              <a:rPr lang="pl-PL" sz="3200" dirty="0"/>
-              <a:t>„Dajte mi čvrstu točku u prostoru i pomaknut ću Zemlju”,</a:t>
-            </a:r>
-            <a:r>
-              <a:rPr lang="hr-HR" sz="3200" dirty="0"/>
-              <a:t> Arhimed</a:t>
-            </a:r>
-          </a:p>
-          <a:p>
-            <a:pPr indent="0" algn="ctr">
-              <a:buNone/>
-            </a:pPr>
-            <a:r>
-              <a:rPr lang="hr-HR" sz="3200" dirty="0"/>
-              <a:t>Gdje je ta točka, centar, referenca?</a:t>
-            </a:r>
-          </a:p>
-        </p:txBody>
-      </p:sp>
+      </p:pic>
     </p:spTree>
     <p:extLst>
       <p:ext uri="{BB962C8B-B14F-4D97-AF65-F5344CB8AC3E}">
-        <p14:creationId xmlns:p14="http://schemas.microsoft.com/office/powerpoint/2010/main" val="1469014775"/>
+        <p14:creationId xmlns:p14="http://schemas.microsoft.com/office/powerpoint/2010/main" val="2146203600"/>
       </p:ext>
     </p:extLst>
   </p:cSld>
@@ -8619,7 +8521,7 @@
           <a:p>
             <a:r>
               <a:rPr lang="hr-HR" dirty="0"/>
-              <a:t>REVOLUCIJE</a:t>
+              <a:t>Čvrsta točka?</a:t>
             </a:r>
           </a:p>
         </p:txBody>
@@ -8636,8 +8538,8 @@
         </p:nvSpPr>
         <p:spPr>
           <a:xfrm>
-            <a:off x="1371600" y="2362200"/>
-            <a:ext cx="6400800" cy="2971800"/>
+            <a:off x="1371600" y="2438400"/>
+            <a:ext cx="6400800" cy="2895600"/>
           </a:xfrm>
         </p:spPr>
         <p:txBody>
@@ -8650,8 +8552,12 @@
               <a:buNone/>
             </a:pPr>
             <a:r>
-              <a:rPr lang="hr-HR" sz="4000" dirty="0"/>
-              <a:t>Teorija relativiteta.</a:t>
+              <a:rPr lang="pl-PL" sz="3200" dirty="0"/>
+              <a:t>„Dajte mi čvrstu točku u prostoru i pomaknut ću Zemlju”,</a:t>
+            </a:r>
+            <a:r>
+              <a:rPr lang="hr-HR" sz="3200" dirty="0"/>
+              <a:t> Arhimed</a:t>
             </a:r>
           </a:p>
           <a:p>
@@ -8659,8 +8565,8 @@
               <a:buNone/>
             </a:pPr>
             <a:r>
-              <a:rPr lang="hr-HR" sz="4000" dirty="0"/>
-              <a:t>Kvantna teorija.</a:t>
+              <a:rPr lang="hr-HR" sz="3200" dirty="0"/>
+              <a:t>Gdje je ta točka, centar, referenca?</a:t>
             </a:r>
           </a:p>
         </p:txBody>
@@ -8668,7 +8574,7 @@
     </p:spTree>
     <p:extLst>
       <p:ext uri="{BB962C8B-B14F-4D97-AF65-F5344CB8AC3E}">
-        <p14:creationId xmlns:p14="http://schemas.microsoft.com/office/powerpoint/2010/main" val="809904662"/>
+        <p14:creationId xmlns:p14="http://schemas.microsoft.com/office/powerpoint/2010/main" val="1469014775"/>
       </p:ext>
     </p:extLst>
   </p:cSld>
@@ -10574,49 +10480,61 @@
         </p:nvSpPr>
         <p:spPr/>
         <p:txBody>
-          <a:bodyPr>
-            <a:normAutofit/>
-          </a:bodyPr>
+          <a:bodyPr/>
           <a:lstStyle/>
           <a:p>
             <a:r>
               <a:rPr lang="hr-HR" dirty="0"/>
-              <a:t>Recimo to ovako …</a:t>
-            </a:r>
-          </a:p>
-        </p:txBody>
-      </p:sp>
-      <p:pic>
-        <p:nvPicPr>
-          <p:cNvPr id="4" name="DZGINaRUEkU"/>
-          <p:cNvPicPr>
-            <a:picLocks noGrp="1" noRot="1" noChangeAspect="1"/>
-          </p:cNvPicPr>
+              <a:t>REVOLUCIJE</a:t>
+            </a:r>
+          </a:p>
+        </p:txBody>
+      </p:sp>
+      <p:sp>
+        <p:nvSpPr>
+          <p:cNvPr id="3" name="Content Placeholder 2"/>
+          <p:cNvSpPr>
+            <a:spLocks noGrp="1"/>
+          </p:cNvSpPr>
           <p:nvPr>
             <p:ph idx="1"/>
-            <a:videoFile r:link="rId1"/>
-          </p:nvPr>
-        </p:nvPicPr>
-        <p:blipFill>
-          <a:blip r:embed="rId3"/>
-          <a:stretch>
-            <a:fillRect/>
-          </a:stretch>
-        </p:blipFill>
+          </p:nvPr>
+        </p:nvSpPr>
         <p:spPr>
           <a:xfrm>
-            <a:off x="1676400" y="2343150"/>
-            <a:ext cx="5791200" cy="3257550"/>
+            <a:off x="1371600" y="2362200"/>
+            <a:ext cx="6400800" cy="2971800"/>
           </a:xfrm>
-          <a:prstGeom prst="rect">
-            <a:avLst/>
-          </a:prstGeom>
         </p:spPr>
-      </p:pic>
+        <p:txBody>
+          <a:bodyPr anchor="ctr">
+            <a:noAutofit/>
+          </a:bodyPr>
+          <a:lstStyle/>
+          <a:p>
+            <a:pPr indent="0" algn="ctr">
+              <a:buNone/>
+            </a:pPr>
+            <a:r>
+              <a:rPr lang="hr-HR" sz="4000" dirty="0"/>
+              <a:t>Teorija relativiteta.</a:t>
+            </a:r>
+          </a:p>
+          <a:p>
+            <a:pPr indent="0" algn="ctr">
+              <a:buNone/>
+            </a:pPr>
+            <a:r>
+              <a:rPr lang="hr-HR" sz="4000" dirty="0"/>
+              <a:t>Kvantna teorija.</a:t>
+            </a:r>
+          </a:p>
+        </p:txBody>
+      </p:sp>
     </p:spTree>
     <p:extLst>
       <p:ext uri="{BB962C8B-B14F-4D97-AF65-F5344CB8AC3E}">
-        <p14:creationId xmlns:p14="http://schemas.microsoft.com/office/powerpoint/2010/main" val="4136491466"/>
+        <p14:creationId xmlns:p14="http://schemas.microsoft.com/office/powerpoint/2010/main" val="809904662"/>
       </p:ext>
     </p:extLst>
   </p:cSld>
@@ -11223,6 +11141,87 @@
         </p:nvSpPr>
         <p:spPr/>
         <p:txBody>
+          <a:bodyPr>
+            <a:normAutofit/>
+          </a:bodyPr>
+          <a:lstStyle/>
+          <a:p>
+            <a:r>
+              <a:rPr lang="hr-HR" dirty="0"/>
+              <a:t>Recimo to ovako …</a:t>
+            </a:r>
+          </a:p>
+        </p:txBody>
+      </p:sp>
+      <p:pic>
+        <p:nvPicPr>
+          <p:cNvPr id="4" name="DZGINaRUEkU"/>
+          <p:cNvPicPr>
+            <a:picLocks noGrp="1" noRot="1" noChangeAspect="1"/>
+          </p:cNvPicPr>
+          <p:nvPr>
+            <p:ph idx="1"/>
+            <a:videoFile r:link="rId1"/>
+          </p:nvPr>
+        </p:nvPicPr>
+        <p:blipFill>
+          <a:blip r:embed="rId3"/>
+          <a:stretch>
+            <a:fillRect/>
+          </a:stretch>
+        </p:blipFill>
+        <p:spPr>
+          <a:xfrm>
+            <a:off x="1676400" y="2343150"/>
+            <a:ext cx="5791200" cy="3257550"/>
+          </a:xfrm>
+          <a:prstGeom prst="rect">
+            <a:avLst/>
+          </a:prstGeom>
+        </p:spPr>
+      </p:pic>
+    </p:spTree>
+    <p:extLst>
+      <p:ext uri="{BB962C8B-B14F-4D97-AF65-F5344CB8AC3E}">
+        <p14:creationId xmlns:p14="http://schemas.microsoft.com/office/powerpoint/2010/main" val="4136491466"/>
+      </p:ext>
+    </p:extLst>
+  </p:cSld>
+  <p:clrMapOvr>
+    <a:masterClrMapping/>
+  </p:clrMapOvr>
+</p:sld>
+</file>
+
+<file path=ppt/slides/slide7.xml><?xml version="1.0" encoding="utf-8"?>
+<p:sld xmlns:a="http://schemas.openxmlformats.org/drawingml/2006/main" xmlns:r="http://schemas.openxmlformats.org/officeDocument/2006/relationships" xmlns:p="http://schemas.openxmlformats.org/presentationml/2006/main">
+  <p:cSld>
+    <p:spTree>
+      <p:nvGrpSpPr>
+        <p:cNvPr id="1" name=""/>
+        <p:cNvGrpSpPr/>
+        <p:nvPr/>
+      </p:nvGrpSpPr>
+      <p:grpSpPr>
+        <a:xfrm>
+          <a:off x="0" y="0"/>
+          <a:ext cx="0" cy="0"/>
+          <a:chOff x="0" y="0"/>
+          <a:chExt cx="0" cy="0"/>
+        </a:xfrm>
+      </p:grpSpPr>
+      <p:sp>
+        <p:nvSpPr>
+          <p:cNvPr id="2" name="Title 1"/>
+          <p:cNvSpPr>
+            <a:spLocks noGrp="1"/>
+          </p:cNvSpPr>
+          <p:nvPr>
+            <p:ph type="title"/>
+          </p:nvPr>
+        </p:nvSpPr>
+        <p:spPr/>
+        <p:txBody>
           <a:bodyPr/>
           <a:lstStyle/>
           <a:p>
@@ -11328,7 +11327,7 @@
 </p:sld>
 </file>
 
-<file path=ppt/slides/slide7.xml><?xml version="1.0" encoding="utf-8"?>
+<file path=ppt/slides/slide8.xml><?xml version="1.0" encoding="utf-8"?>
 <p:sld xmlns:a="http://schemas.openxmlformats.org/drawingml/2006/main" xmlns:r="http://schemas.openxmlformats.org/officeDocument/2006/relationships" xmlns:p="http://schemas.openxmlformats.org/presentationml/2006/main">
   <p:cSld>
     <p:spTree>
@@ -11508,7 +11507,7 @@
 </p:sld>
 </file>
 
-<file path=ppt/slides/slide8.xml><?xml version="1.0" encoding="utf-8"?>
+<file path=ppt/slides/slide9.xml><?xml version="1.0" encoding="utf-8"?>
 <p:sld xmlns:a="http://schemas.openxmlformats.org/drawingml/2006/main" xmlns:r="http://schemas.openxmlformats.org/officeDocument/2006/relationships" xmlns:p="http://schemas.openxmlformats.org/presentationml/2006/main">
   <p:cSld>
     <p:spTree>
@@ -11580,99 +11579,6 @@
     <p:extLst>
       <p:ext uri="{BB962C8B-B14F-4D97-AF65-F5344CB8AC3E}">
         <p14:creationId xmlns:p14="http://schemas.microsoft.com/office/powerpoint/2010/main" val="489943352"/>
-      </p:ext>
-    </p:extLst>
-  </p:cSld>
-  <p:clrMapOvr>
-    <a:masterClrMapping/>
-  </p:clrMapOvr>
-</p:sld>
-</file>
-
-<file path=ppt/slides/slide9.xml><?xml version="1.0" encoding="utf-8"?>
-<p:sld xmlns:a="http://schemas.openxmlformats.org/drawingml/2006/main" xmlns:r="http://schemas.openxmlformats.org/officeDocument/2006/relationships" xmlns:p="http://schemas.openxmlformats.org/presentationml/2006/main">
-  <p:cSld>
-    <p:spTree>
-      <p:nvGrpSpPr>
-        <p:cNvPr id="1" name=""/>
-        <p:cNvGrpSpPr/>
-        <p:nvPr/>
-      </p:nvGrpSpPr>
-      <p:grpSpPr>
-        <a:xfrm>
-          <a:off x="0" y="0"/>
-          <a:ext cx="0" cy="0"/>
-          <a:chOff x="0" y="0"/>
-          <a:chExt cx="0" cy="0"/>
-        </a:xfrm>
-      </p:grpSpPr>
-      <p:sp>
-        <p:nvSpPr>
-          <p:cNvPr id="2" name="Title 1"/>
-          <p:cNvSpPr>
-            <a:spLocks noGrp="1"/>
-          </p:cNvSpPr>
-          <p:nvPr>
-            <p:ph type="title"/>
-          </p:nvPr>
-        </p:nvSpPr>
-        <p:spPr/>
-        <p:txBody>
-          <a:bodyPr/>
-          <a:lstStyle/>
-          <a:p>
-            <a:r>
-              <a:rPr lang="hr-HR" dirty="0"/>
-              <a:t>PrazAN PROstor</a:t>
-            </a:r>
-          </a:p>
-        </p:txBody>
-      </p:sp>
-      <p:sp>
-        <p:nvSpPr>
-          <p:cNvPr id="3" name="Content Placeholder 2"/>
-          <p:cNvSpPr>
-            <a:spLocks noGrp="1"/>
-          </p:cNvSpPr>
-          <p:nvPr>
-            <p:ph idx="1"/>
-          </p:nvPr>
-        </p:nvSpPr>
-        <p:spPr>
-          <a:xfrm>
-            <a:off x="1371600" y="2362200"/>
-            <a:ext cx="6400800" cy="2971800"/>
-          </a:xfrm>
-        </p:spPr>
-        <p:txBody>
-          <a:bodyPr>
-            <a:noAutofit/>
-          </a:bodyPr>
-          <a:lstStyle/>
-          <a:p>
-            <a:pPr indent="0" algn="ctr">
-              <a:buNone/>
-            </a:pPr>
-            <a:r>
-              <a:rPr lang="hr-HR" sz="3200" dirty="0"/>
-              <a:t>Atom se sastoji od 99,9999999% praznog prostora.</a:t>
-            </a:r>
-          </a:p>
-          <a:p>
-            <a:pPr indent="0" algn="ctr">
-              <a:buNone/>
-            </a:pPr>
-            <a:r>
-              <a:rPr lang="hr-HR" sz="3200" dirty="0"/>
-              <a:t>Ako stavimo pikulu u sredinu učione, to je jezgra oko koje kruži atom.</a:t>
-            </a:r>
-          </a:p>
-        </p:txBody>
-      </p:sp>
-    </p:spTree>
-    <p:extLst>
-      <p:ext uri="{BB962C8B-B14F-4D97-AF65-F5344CB8AC3E}">
-        <p14:creationId xmlns:p14="http://schemas.microsoft.com/office/powerpoint/2010/main" val="1888017549"/>
       </p:ext>
     </p:extLst>
   </p:cSld>

--- a/TheLecture.pptx
+++ b/TheLecture.pptx
@@ -5954,8 +5954,12 @@
               <a:buNone/>
             </a:pPr>
             <a:r>
+              <a:rPr lang="hr-HR"/>
+              <a:t>RAZVOJ </a:t>
+            </a:r>
+            <a:r>
               <a:rPr lang="hr-HR" dirty="0"/>
-              <a:t>CILJ: RAZVOJ PUNOG POTENCIJALA STUDENTA!</a:t>
+              <a:t>PUNOG POTENCIJALA STUDENTA!</a:t>
             </a:r>
           </a:p>
           <a:p>
